--- a/Homework 6/pdf/Presentazione HomeWork 6.pptx
+++ b/Homework 6/pdf/Presentazione HomeWork 6.pptx
@@ -222,7 +222,7 @@
           <a:p>
             <a:fld id="{4758AAB4-36CD-3341-A9F1-9279EB62B2A7}" type="datetimeFigureOut">
               <a:rPr lang="it-IT" smtClean="0"/>
-              <a:t>19/02/26</a:t>
+              <a:t>19/02/2026</a:t>
             </a:fld>
             <a:endParaRPr lang="it-IT"/>
           </a:p>
@@ -1567,7 +1567,7 @@
           <a:p>
             <a:fld id="{7F49D355-16BD-4E45-BD9A-5EA878CF7CBD}" type="datetimeFigureOut">
               <a:rPr lang="it-IT" smtClean="0"/>
-              <a:t>19/02/26</a:t>
+              <a:t>19/02/2026</a:t>
             </a:fld>
             <a:endParaRPr lang="it-IT"/>
           </a:p>
@@ -1730,7 +1730,7 @@
           <a:p>
             <a:fld id="{7F49D355-16BD-4E45-BD9A-5EA878CF7CBD}" type="datetimeFigureOut">
               <a:rPr lang="it-IT" smtClean="0"/>
-              <a:t>19/02/26</a:t>
+              <a:t>19/02/2026</a:t>
             </a:fld>
             <a:endParaRPr lang="it-IT"/>
           </a:p>
@@ -1903,7 +1903,7 @@
           <a:p>
             <a:fld id="{7F49D355-16BD-4E45-BD9A-5EA878CF7CBD}" type="datetimeFigureOut">
               <a:rPr lang="it-IT" smtClean="0"/>
-              <a:t>19/02/26</a:t>
+              <a:t>19/02/2026</a:t>
             </a:fld>
             <a:endParaRPr lang="it-IT"/>
           </a:p>
@@ -2066,7 +2066,7 @@
           <a:p>
             <a:fld id="{7F49D355-16BD-4E45-BD9A-5EA878CF7CBD}" type="datetimeFigureOut">
               <a:rPr lang="it-IT" smtClean="0"/>
-              <a:t>19/02/26</a:t>
+              <a:t>19/02/2026</a:t>
             </a:fld>
             <a:endParaRPr lang="it-IT"/>
           </a:p>
@@ -2306,7 +2306,7 @@
           <a:p>
             <a:fld id="{7F49D355-16BD-4E45-BD9A-5EA878CF7CBD}" type="datetimeFigureOut">
               <a:rPr lang="it-IT" smtClean="0"/>
-              <a:t>19/02/26</a:t>
+              <a:t>19/02/2026</a:t>
             </a:fld>
             <a:endParaRPr lang="it-IT"/>
           </a:p>
@@ -2586,7 +2586,7 @@
           <a:p>
             <a:fld id="{7F49D355-16BD-4E45-BD9A-5EA878CF7CBD}" type="datetimeFigureOut">
               <a:rPr lang="it-IT" smtClean="0"/>
-              <a:t>19/02/26</a:t>
+              <a:t>19/02/2026</a:t>
             </a:fld>
             <a:endParaRPr lang="it-IT"/>
           </a:p>
@@ -3000,7 +3000,7 @@
           <a:p>
             <a:fld id="{7F49D355-16BD-4E45-BD9A-5EA878CF7CBD}" type="datetimeFigureOut">
               <a:rPr lang="it-IT" smtClean="0"/>
-              <a:t>19/02/26</a:t>
+              <a:t>19/02/2026</a:t>
             </a:fld>
             <a:endParaRPr lang="it-IT"/>
           </a:p>
@@ -3112,7 +3112,7 @@
           <a:p>
             <a:fld id="{7F49D355-16BD-4E45-BD9A-5EA878CF7CBD}" type="datetimeFigureOut">
               <a:rPr lang="it-IT" smtClean="0"/>
-              <a:t>19/02/26</a:t>
+              <a:t>19/02/2026</a:t>
             </a:fld>
             <a:endParaRPr lang="it-IT"/>
           </a:p>
@@ -3202,7 +3202,7 @@
           <a:p>
             <a:fld id="{7F49D355-16BD-4E45-BD9A-5EA878CF7CBD}" type="datetimeFigureOut">
               <a:rPr lang="it-IT" smtClean="0"/>
-              <a:t>19/02/26</a:t>
+              <a:t>19/02/2026</a:t>
             </a:fld>
             <a:endParaRPr lang="it-IT"/>
           </a:p>
@@ -3472,7 +3472,7 @@
           <a:p>
             <a:fld id="{7F49D355-16BD-4E45-BD9A-5EA878CF7CBD}" type="datetimeFigureOut">
               <a:rPr lang="it-IT" smtClean="0"/>
-              <a:t>19/02/26</a:t>
+              <a:t>19/02/2026</a:t>
             </a:fld>
             <a:endParaRPr lang="it-IT"/>
           </a:p>
@@ -3719,7 +3719,7 @@
           <a:p>
             <a:fld id="{7F49D355-16BD-4E45-BD9A-5EA878CF7CBD}" type="datetimeFigureOut">
               <a:rPr lang="it-IT" smtClean="0"/>
-              <a:t>19/02/26</a:t>
+              <a:t>19/02/2026</a:t>
             </a:fld>
             <a:endParaRPr lang="it-IT"/>
           </a:p>
@@ -3925,7 +3925,7 @@
           <a:p>
             <a:fld id="{7F49D355-16BD-4E45-BD9A-5EA878CF7CBD}" type="datetimeFigureOut">
               <a:rPr lang="it-IT" smtClean="0"/>
-              <a:t>19/02/26</a:t>
+              <a:t>19/02/2026</a:t>
             </a:fld>
             <a:endParaRPr lang="it-IT"/>
           </a:p>
@@ -15251,7 +15251,7 @@
         <p:spPr>
           <a:xfrm>
             <a:off x="4790515" y="2299517"/>
-            <a:ext cx="4353485" cy="5355312"/>
+            <a:ext cx="4353485" cy="4524315"/>
           </a:xfrm>
           <a:prstGeom prst="rect">
             <a:avLst/>
@@ -15425,28 +15425,17 @@
               <a:t> del codice </a:t>
             </a:r>
             <a:r>
-              <a:rPr lang="it-IT" b="1" dirty="0"/>
+              <a:rPr lang="it-IT" b="1"/>
               <a:t>VIN</a:t>
             </a:r>
             <a:r>
-              <a:rPr lang="it-IT" dirty="0"/>
+              <a:rPr lang="it-IT"/>
               <a:t>.</a:t>
             </a:r>
-          </a:p>
-          <a:p>
             <a:endParaRPr lang="it-IT" dirty="0">
               <a:latin typeface="Times New Roman" panose="02020603050405020304" pitchFamily="18" charset="0"/>
               <a:cs typeface="Times New Roman" panose="02020603050405020304" pitchFamily="18" charset="0"/>
             </a:endParaRPr>
-          </a:p>
-          <a:p>
-            <a:endParaRPr lang="it-IT" dirty="0">
-              <a:latin typeface="Times New Roman" panose="02020603050405020304" pitchFamily="18" charset="0"/>
-              <a:cs typeface="Times New Roman" panose="02020603050405020304" pitchFamily="18" charset="0"/>
-            </a:endParaRPr>
-          </a:p>
-          <a:p>
-            <a:endParaRPr lang="it-IT" dirty="0"/>
           </a:p>
         </p:txBody>
       </p:sp>
@@ -16393,8 +16382,8 @@
           </a:fontRef>
         </p:style>
       </p:cxnSp>
-      <mc:AlternateContent xmlns:mc="http://schemas.openxmlformats.org/markup-compatibility/2006">
-        <mc:Choice xmlns:a14="http://schemas.microsoft.com/office/drawing/2010/main" Requires="a14">
+      <mc:AlternateContent xmlns:mc="http://schemas.openxmlformats.org/markup-compatibility/2006" xmlns:a14="http://schemas.microsoft.com/office/drawing/2010/main">
+        <mc:Choice Requires="a14">
           <p:sp>
             <p:nvSpPr>
               <p:cNvPr id="2" name="Rettangolo 1">
@@ -16651,7 +16640,7 @@
             </p:txBody>
           </p:sp>
         </mc:Choice>
-        <mc:Fallback>
+        <mc:Fallback xmlns="">
           <p:sp>
             <p:nvSpPr>
               <p:cNvPr id="2" name="Rettangolo 1">
